--- a/Docs/Collections View.pptx
+++ b/Docs/Collections View.pptx
@@ -5,7 +5,7 @@
     <p:sldMasterId id="2147483715" r:id="rId4"/>
   </p:sldMasterIdLst>
   <p:notesMasterIdLst>
-    <p:notesMasterId r:id="rId13"/>
+    <p:notesMasterId r:id="rId17"/>
   </p:notesMasterIdLst>
   <p:sldIdLst>
     <p:sldId id="1955" r:id="rId5"/>
@@ -16,6 +16,10 @@
     <p:sldId id="1979" r:id="rId10"/>
     <p:sldId id="1980" r:id="rId11"/>
     <p:sldId id="1981" r:id="rId12"/>
+    <p:sldId id="1983" r:id="rId13"/>
+    <p:sldId id="1982" r:id="rId14"/>
+    <p:sldId id="1984" r:id="rId15"/>
+    <p:sldId id="1985" r:id="rId16"/>
   </p:sldIdLst>
   <p:sldSz cx="12192000" cy="6858000"/>
   <p:notesSz cx="6858000" cy="9144000"/>
@@ -127,6 +131,10 @@
             <p14:sldId id="1979"/>
             <p14:sldId id="1980"/>
             <p14:sldId id="1981"/>
+            <p14:sldId id="1983"/>
+            <p14:sldId id="1982"/>
+            <p14:sldId id="1984"/>
+            <p14:sldId id="1985"/>
           </p14:sldIdLst>
         </p14:section>
       </p14:sectionLst>
@@ -150,12 +158,20 @@
 </p:cmAuthorLst>
 </file>
 
+<file path=ppt/revisionInfo.xml><?xml version="1.0" encoding="utf-8"?>
+<p1510:revInfo xmlns:a="http://schemas.openxmlformats.org/drawingml/2006/main" xmlns:r="http://schemas.openxmlformats.org/officeDocument/2006/relationships" xmlns:p1510="http://schemas.microsoft.com/office/powerpoint/2015/10/main">
+  <p1510:revLst>
+    <p1510:client id="{1F47B814-6876-4415-841C-B64CD5266B93}" v="2" dt="2024-02-02T11:12:19.311"/>
+  </p1510:revLst>
+</p1510:revInfo>
+</file>
+
 <file path=ppt/changesInfos/changesInfo1.xml><?xml version="1.0" encoding="utf-8"?>
 <pc:chgInfo xmlns:a="http://schemas.openxmlformats.org/drawingml/2006/main" xmlns:r="http://schemas.openxmlformats.org/officeDocument/2006/relationships" xmlns:ac="http://schemas.microsoft.com/office/drawing/2013/main/command" xmlns:pc="http://schemas.microsoft.com/office/powerpoint/2013/main/command">
   <pc:docChgLst>
     <pc:chgData name="Ofer Zadikario" userId="f36b4b4543f14e71" providerId="LiveId" clId="{1F47B814-6876-4415-841C-B64CD5266B93}"/>
-    <pc:docChg chg="custSel delSld modSld modSection">
-      <pc:chgData name="Ofer Zadikario" userId="f36b4b4543f14e71" providerId="LiveId" clId="{1F47B814-6876-4415-841C-B64CD5266B93}" dt="2024-01-27T12:09:47.074" v="64" actId="478"/>
+    <pc:docChg chg="custSel addSld delSld modSld sldOrd modSection">
+      <pc:chgData name="Ofer Zadikario" userId="f36b4b4543f14e71" providerId="LiveId" clId="{1F47B814-6876-4415-841C-B64CD5266B93}" dt="2024-02-02T11:14:12.904" v="987" actId="478"/>
       <pc:docMkLst>
         <pc:docMk/>
       </pc:docMkLst>
@@ -426,6 +442,170 @@
           </ac:picMkLst>
         </pc:picChg>
       </pc:sldChg>
+      <pc:sldChg chg="addSp delSp modSp add mod ord">
+        <pc:chgData name="Ofer Zadikario" userId="f36b4b4543f14e71" providerId="LiveId" clId="{1F47B814-6876-4415-841C-B64CD5266B93}" dt="2024-02-02T11:09:52.034" v="561" actId="1038"/>
+        <pc:sldMkLst>
+          <pc:docMk/>
+          <pc:sldMk cId="1554816637" sldId="1982"/>
+        </pc:sldMkLst>
+        <pc:spChg chg="mod">
+          <ac:chgData name="Ofer Zadikario" userId="f36b4b4543f14e71" providerId="LiveId" clId="{1F47B814-6876-4415-841C-B64CD5266B93}" dt="2024-02-02T10:23:14.730" v="73" actId="20577"/>
+          <ac:spMkLst>
+            <pc:docMk/>
+            <pc:sldMk cId="1554816637" sldId="1982"/>
+            <ac:spMk id="2" creationId="{5B1C9383-5FA4-430A-9B95-D157DAC11C19}"/>
+          </ac:spMkLst>
+        </pc:spChg>
+        <pc:spChg chg="del mod">
+          <ac:chgData name="Ofer Zadikario" userId="f36b4b4543f14e71" providerId="LiveId" clId="{1F47B814-6876-4415-841C-B64CD5266B93}" dt="2024-02-02T11:09:06.653" v="359" actId="478"/>
+          <ac:spMkLst>
+            <pc:docMk/>
+            <pc:sldMk cId="1554816637" sldId="1982"/>
+            <ac:spMk id="3" creationId="{4130DC18-A448-4300-ABCE-76B4AF7E6B81}"/>
+          </ac:spMkLst>
+        </pc:spChg>
+        <pc:picChg chg="del">
+          <ac:chgData name="Ofer Zadikario" userId="f36b4b4543f14e71" providerId="LiveId" clId="{1F47B814-6876-4415-841C-B64CD5266B93}" dt="2024-02-02T11:09:11.469" v="360" actId="478"/>
+          <ac:picMkLst>
+            <pc:docMk/>
+            <pc:sldMk cId="1554816637" sldId="1982"/>
+            <ac:picMk id="4" creationId="{D0315D85-9659-4E89-98D0-588474D2CA59}"/>
+          </ac:picMkLst>
+        </pc:picChg>
+        <pc:picChg chg="add mod">
+          <ac:chgData name="Ofer Zadikario" userId="f36b4b4543f14e71" providerId="LiveId" clId="{1F47B814-6876-4415-841C-B64CD5266B93}" dt="2024-02-02T11:09:18.505" v="464" actId="1038"/>
+          <ac:picMkLst>
+            <pc:docMk/>
+            <pc:sldMk cId="1554816637" sldId="1982"/>
+            <ac:picMk id="6" creationId="{6C451EA9-4430-F66B-0674-3711C8B675EB}"/>
+          </ac:picMkLst>
+        </pc:picChg>
+        <pc:picChg chg="add mod">
+          <ac:chgData name="Ofer Zadikario" userId="f36b4b4543f14e71" providerId="LiveId" clId="{1F47B814-6876-4415-841C-B64CD5266B93}" dt="2024-02-02T11:09:52.034" v="561" actId="1038"/>
+          <ac:picMkLst>
+            <pc:docMk/>
+            <pc:sldMk cId="1554816637" sldId="1982"/>
+            <ac:picMk id="9" creationId="{0DEC48CB-CDBE-FA7A-F499-18546839BF3C}"/>
+          </ac:picMkLst>
+        </pc:picChg>
+      </pc:sldChg>
+      <pc:sldChg chg="addSp delSp modSp add mod ord">
+        <pc:chgData name="Ofer Zadikario" userId="f36b4b4543f14e71" providerId="LiveId" clId="{1F47B814-6876-4415-841C-B64CD5266B93}" dt="2024-02-02T11:09:01.619" v="358"/>
+        <pc:sldMkLst>
+          <pc:docMk/>
+          <pc:sldMk cId="3891202582" sldId="1983"/>
+        </pc:sldMkLst>
+        <pc:picChg chg="del">
+          <ac:chgData name="Ofer Zadikario" userId="f36b4b4543f14e71" providerId="LiveId" clId="{1F47B814-6876-4415-841C-B64CD5266B93}" dt="2024-02-02T11:08:23.143" v="262" actId="478"/>
+          <ac:picMkLst>
+            <pc:docMk/>
+            <pc:sldMk cId="3891202582" sldId="1983"/>
+            <ac:picMk id="4" creationId="{D0315D85-9659-4E89-98D0-588474D2CA59}"/>
+          </ac:picMkLst>
+        </pc:picChg>
+        <pc:picChg chg="add mod">
+          <ac:chgData name="Ofer Zadikario" userId="f36b4b4543f14e71" providerId="LiveId" clId="{1F47B814-6876-4415-841C-B64CD5266B93}" dt="2024-02-02T11:08:57.761" v="356" actId="1037"/>
+          <ac:picMkLst>
+            <pc:docMk/>
+            <pc:sldMk cId="3891202582" sldId="1983"/>
+            <ac:picMk id="6" creationId="{FC462BAD-B59E-CE83-1DE9-E97877B64604}"/>
+          </ac:picMkLst>
+        </pc:picChg>
+      </pc:sldChg>
+      <pc:sldChg chg="addSp delSp modSp add mod">
+        <pc:chgData name="Ofer Zadikario" userId="f36b4b4543f14e71" providerId="LiveId" clId="{1F47B814-6876-4415-841C-B64CD5266B93}" dt="2024-02-02T11:11:46.623" v="753" actId="1037"/>
+        <pc:sldMkLst>
+          <pc:docMk/>
+          <pc:sldMk cId="369211962" sldId="1984"/>
+        </pc:sldMkLst>
+        <pc:spChg chg="add">
+          <ac:chgData name="Ofer Zadikario" userId="f36b4b4543f14e71" providerId="LiveId" clId="{1F47B814-6876-4415-841C-B64CD5266B93}" dt="2024-02-02T11:11:06.988" v="682" actId="11529"/>
+          <ac:spMkLst>
+            <pc:docMk/>
+            <pc:sldMk cId="369211962" sldId="1984"/>
+            <ac:spMk id="5" creationId="{DF73BF87-DB43-59FB-ABE9-731840C8932F}"/>
+          </ac:spMkLst>
+        </pc:spChg>
+        <pc:spChg chg="del">
+          <ac:chgData name="Ofer Zadikario" userId="f36b4b4543f14e71" providerId="LiveId" clId="{1F47B814-6876-4415-841C-B64CD5266B93}" dt="2024-02-02T11:11:09.575" v="683" actId="478"/>
+          <ac:spMkLst>
+            <pc:docMk/>
+            <pc:sldMk cId="369211962" sldId="1984"/>
+            <ac:spMk id="8" creationId="{499BB2C7-BF22-4605-BFD5-0E26841CA0C4}"/>
+          </ac:spMkLst>
+        </pc:spChg>
+        <pc:picChg chg="add mod">
+          <ac:chgData name="Ofer Zadikario" userId="f36b4b4543f14e71" providerId="LiveId" clId="{1F47B814-6876-4415-841C-B64CD5266B93}" dt="2024-02-02T11:10:59.342" v="681" actId="1037"/>
+          <ac:picMkLst>
+            <pc:docMk/>
+            <pc:sldMk cId="369211962" sldId="1984"/>
+            <ac:picMk id="4" creationId="{9B5D9B35-7C00-7162-B69F-CB21362BA3BC}"/>
+          </ac:picMkLst>
+        </pc:picChg>
+        <pc:picChg chg="del">
+          <ac:chgData name="Ofer Zadikario" userId="f36b4b4543f14e71" providerId="LiveId" clId="{1F47B814-6876-4415-841C-B64CD5266B93}" dt="2024-02-02T11:10:40.496" v="563" actId="478"/>
+          <ac:picMkLst>
+            <pc:docMk/>
+            <pc:sldMk cId="369211962" sldId="1984"/>
+            <ac:picMk id="6" creationId="{6C451EA9-4430-F66B-0674-3711C8B675EB}"/>
+          </ac:picMkLst>
+        </pc:picChg>
+        <pc:picChg chg="del">
+          <ac:chgData name="Ofer Zadikario" userId="f36b4b4543f14e71" providerId="LiveId" clId="{1F47B814-6876-4415-841C-B64CD5266B93}" dt="2024-02-02T11:10:44.208" v="565" actId="478"/>
+          <ac:picMkLst>
+            <pc:docMk/>
+            <pc:sldMk cId="369211962" sldId="1984"/>
+            <ac:picMk id="9" creationId="{0DEC48CB-CDBE-FA7A-F499-18546839BF3C}"/>
+          </ac:picMkLst>
+        </pc:picChg>
+        <pc:picChg chg="add mod">
+          <ac:chgData name="Ofer Zadikario" userId="f36b4b4543f14e71" providerId="LiveId" clId="{1F47B814-6876-4415-841C-B64CD5266B93}" dt="2024-02-02T11:11:46.623" v="753" actId="1037"/>
+          <ac:picMkLst>
+            <pc:docMk/>
+            <pc:sldMk cId="369211962" sldId="1984"/>
+            <ac:picMk id="10" creationId="{5D79100B-C17C-3505-337E-B65D631CD49A}"/>
+          </ac:picMkLst>
+        </pc:picChg>
+      </pc:sldChg>
+      <pc:sldChg chg="delSp modSp add mod ord">
+        <pc:chgData name="Ofer Zadikario" userId="f36b4b4543f14e71" providerId="LiveId" clId="{1F47B814-6876-4415-841C-B64CD5266B93}" dt="2024-02-02T11:14:12.904" v="987" actId="478"/>
+        <pc:sldMkLst>
+          <pc:docMk/>
+          <pc:sldMk cId="1282014437" sldId="1985"/>
+        </pc:sldMkLst>
+        <pc:spChg chg="mod">
+          <ac:chgData name="Ofer Zadikario" userId="f36b4b4543f14e71" providerId="LiveId" clId="{1F47B814-6876-4415-841C-B64CD5266B93}" dt="2024-02-02T11:12:24.262" v="757" actId="20577"/>
+          <ac:spMkLst>
+            <pc:docMk/>
+            <pc:sldMk cId="1282014437" sldId="1985"/>
+            <ac:spMk id="2" creationId="{5B1C9383-5FA4-430A-9B95-D157DAC11C19}"/>
+          </ac:spMkLst>
+        </pc:spChg>
+        <pc:spChg chg="mod">
+          <ac:chgData name="Ofer Zadikario" userId="f36b4b4543f14e71" providerId="LiveId" clId="{1F47B814-6876-4415-841C-B64CD5266B93}" dt="2024-02-02T11:13:40.372" v="985" actId="20577"/>
+          <ac:spMkLst>
+            <pc:docMk/>
+            <pc:sldMk cId="1282014437" sldId="1985"/>
+            <ac:spMk id="3" creationId="{4130DC18-A448-4300-ABCE-76B4AF7E6B81}"/>
+          </ac:spMkLst>
+        </pc:spChg>
+        <pc:picChg chg="del">
+          <ac:chgData name="Ofer Zadikario" userId="f36b4b4543f14e71" providerId="LiveId" clId="{1F47B814-6876-4415-841C-B64CD5266B93}" dt="2024-02-02T11:14:12.904" v="987" actId="478"/>
+          <ac:picMkLst>
+            <pc:docMk/>
+            <pc:sldMk cId="1282014437" sldId="1985"/>
+            <ac:picMk id="5" creationId="{7D9B3639-30C3-4045-A627-CBC4592E0F4B}"/>
+          </ac:picMkLst>
+        </pc:picChg>
+        <pc:picChg chg="del">
+          <ac:chgData name="Ofer Zadikario" userId="f36b4b4543f14e71" providerId="LiveId" clId="{1F47B814-6876-4415-841C-B64CD5266B93}" dt="2024-02-02T11:14:11.053" v="986" actId="478"/>
+          <ac:picMkLst>
+            <pc:docMk/>
+            <pc:sldMk cId="1282014437" sldId="1985"/>
+            <ac:picMk id="7" creationId="{BCA35589-50A3-482B-B7C1-BA7F636DCD6D}"/>
+          </ac:picMkLst>
+        </pc:picChg>
+      </pc:sldChg>
     </pc:docChg>
   </pc:docChgLst>
 </pc:chgInfo>
@@ -513,7 +693,7 @@
           <a:p>
             <a:fld id="{18438622-0837-4E9E-A16C-0B0206CE676E}" type="datetimeFigureOut">
               <a:rPr lang="en-US" smtClean="0"/>
-              <a:t>1/27/2024</a:t>
+              <a:t>2/2/2024</a:t>
             </a:fld>
             <a:endParaRPr lang="en-US"/>
           </a:p>
@@ -918,7 +1098,7 @@
           <a:p>
             <a:fld id="{D18B56EA-E28F-4F92-9F16-7A6F2501B303}" type="datetime8">
               <a:rPr lang="en-US" smtClean="0"/>
-              <a:t>1/27/2024 11:58 AM</a:t>
+              <a:t>2/2/2024 12:22 PM</a:t>
             </a:fld>
             <a:endParaRPr lang="en-US" dirty="0"/>
           </a:p>
@@ -5830,6 +6010,599 @@
 </p:sld>
 </file>
 
+<file path=ppt/slides/slide10.xml><?xml version="1.0" encoding="utf-8"?>
+<p:sld xmlns:a="http://schemas.openxmlformats.org/drawingml/2006/main" xmlns:r="http://schemas.openxmlformats.org/officeDocument/2006/relationships" xmlns:p="http://schemas.openxmlformats.org/presentationml/2006/main">
+  <p:cSld>
+    <p:spTree>
+      <p:nvGrpSpPr>
+        <p:cNvPr id="1" name=""/>
+        <p:cNvGrpSpPr/>
+        <p:nvPr/>
+      </p:nvGrpSpPr>
+      <p:grpSpPr>
+        <a:xfrm>
+          <a:off x="0" y="0"/>
+          <a:ext cx="0" cy="0"/>
+          <a:chOff x="0" y="0"/>
+          <a:chExt cx="0" cy="0"/>
+        </a:xfrm>
+      </p:grpSpPr>
+      <p:sp>
+        <p:nvSpPr>
+          <p:cNvPr id="2" name="כותרת 1">
+            <a:extLst>
+              <a:ext uri="{FF2B5EF4-FFF2-40B4-BE49-F238E27FC236}">
+                <a16:creationId xmlns:a16="http://schemas.microsoft.com/office/drawing/2014/main" id="{5B1C9383-5FA4-430A-9B95-D157DAC11C19}"/>
+              </a:ext>
+            </a:extLst>
+          </p:cNvPr>
+          <p:cNvSpPr>
+            <a:spLocks noGrp="1"/>
+          </p:cNvSpPr>
+          <p:nvPr>
+            <p:ph type="title"/>
+          </p:nvPr>
+        </p:nvSpPr>
+        <p:spPr/>
+        <p:txBody>
+          <a:bodyPr/>
+          <a:lstStyle/>
+          <a:p>
+            <a:r>
+              <a:rPr lang="en-US" dirty="0"/>
+              <a:t>Picker</a:t>
+            </a:r>
+            <a:endParaRPr lang="he-IL" dirty="0"/>
+          </a:p>
+        </p:txBody>
+      </p:sp>
+      <p:sp>
+        <p:nvSpPr>
+          <p:cNvPr id="8" name="תיבת טקסט 7">
+            <a:extLst>
+              <a:ext uri="{FF2B5EF4-FFF2-40B4-BE49-F238E27FC236}">
+                <a16:creationId xmlns:a16="http://schemas.microsoft.com/office/drawing/2014/main" id="{499BB2C7-BF22-4605-BFD5-0E26841CA0C4}"/>
+              </a:ext>
+            </a:extLst>
+          </p:cNvPr>
+          <p:cNvSpPr txBox="1"/>
+          <p:nvPr/>
+        </p:nvSpPr>
+        <p:spPr>
+          <a:xfrm>
+            <a:off x="656985" y="3845859"/>
+            <a:ext cx="11094098" cy="572464"/>
+          </a:xfrm>
+          <a:prstGeom prst="rect">
+            <a:avLst/>
+          </a:prstGeom>
+          <a:noFill/>
+        </p:spPr>
+        <p:txBody>
+          <a:bodyPr wrap="square" lIns="182880" tIns="146304" rIns="182880" bIns="146304" rtlCol="1">
+            <a:spAutoFit/>
+          </a:bodyPr>
+          <a:lstStyle/>
+          <a:p>
+            <a:pPr>
+              <a:lnSpc>
+                <a:spcPct val="90000"/>
+              </a:lnSpc>
+              <a:spcAft>
+                <a:spcPts val="600"/>
+              </a:spcAft>
+            </a:pPr>
+            <a:endParaRPr lang="en-US" sz="2000" dirty="0">
+              <a:gradFill>
+                <a:gsLst>
+                  <a:gs pos="2917">
+                    <a:schemeClr val="tx1"/>
+                  </a:gs>
+                  <a:gs pos="30000">
+                    <a:schemeClr val="tx1"/>
+                  </a:gs>
+                </a:gsLst>
+                <a:lin ang="5400000" scaled="0"/>
+              </a:gradFill>
+            </a:endParaRPr>
+          </a:p>
+        </p:txBody>
+      </p:sp>
+      <p:pic>
+        <p:nvPicPr>
+          <p:cNvPr id="6" name="Picture 5">
+            <a:extLst>
+              <a:ext uri="{FF2B5EF4-FFF2-40B4-BE49-F238E27FC236}">
+                <a16:creationId xmlns:a16="http://schemas.microsoft.com/office/drawing/2014/main" id="{6C451EA9-4430-F66B-0674-3711C8B675EB}"/>
+              </a:ext>
+            </a:extLst>
+          </p:cNvPr>
+          <p:cNvPicPr>
+            <a:picLocks noChangeAspect="1"/>
+          </p:cNvPicPr>
+          <p:nvPr/>
+        </p:nvPicPr>
+        <p:blipFill>
+          <a:blip r:embed="rId2"/>
+          <a:stretch>
+            <a:fillRect/>
+          </a:stretch>
+        </p:blipFill>
+        <p:spPr>
+          <a:xfrm>
+            <a:off x="9068045" y="0"/>
+            <a:ext cx="3052615" cy="6858000"/>
+          </a:xfrm>
+          <a:prstGeom prst="rect">
+            <a:avLst/>
+          </a:prstGeom>
+        </p:spPr>
+      </p:pic>
+      <p:pic>
+        <p:nvPicPr>
+          <p:cNvPr id="9" name="Picture 8">
+            <a:extLst>
+              <a:ext uri="{FF2B5EF4-FFF2-40B4-BE49-F238E27FC236}">
+                <a16:creationId xmlns:a16="http://schemas.microsoft.com/office/drawing/2014/main" id="{0DEC48CB-CDBE-FA7A-F499-18546839BF3C}"/>
+              </a:ext>
+            </a:extLst>
+          </p:cNvPr>
+          <p:cNvPicPr>
+            <a:picLocks noChangeAspect="1"/>
+          </p:cNvPicPr>
+          <p:nvPr/>
+        </p:nvPicPr>
+        <p:blipFill>
+          <a:blip r:embed="rId3"/>
+          <a:stretch>
+            <a:fillRect/>
+          </a:stretch>
+        </p:blipFill>
+        <p:spPr>
+          <a:xfrm>
+            <a:off x="393535" y="3318202"/>
+            <a:ext cx="9303228" cy="1168460"/>
+          </a:xfrm>
+          <a:prstGeom prst="rect">
+            <a:avLst/>
+          </a:prstGeom>
+        </p:spPr>
+      </p:pic>
+    </p:spTree>
+    <p:extLst>
+      <p:ext uri="{BB962C8B-B14F-4D97-AF65-F5344CB8AC3E}">
+        <p14:creationId xmlns:p14="http://schemas.microsoft.com/office/powerpoint/2010/main" val="1554816637"/>
+      </p:ext>
+    </p:extLst>
+  </p:cSld>
+  <p:clrMapOvr>
+    <a:masterClrMapping/>
+  </p:clrMapOvr>
+</p:sld>
+</file>
+
+<file path=ppt/slides/slide11.xml><?xml version="1.0" encoding="utf-8"?>
+<p:sld xmlns:a="http://schemas.openxmlformats.org/drawingml/2006/main" xmlns:r="http://schemas.openxmlformats.org/officeDocument/2006/relationships" xmlns:p="http://schemas.openxmlformats.org/presentationml/2006/main">
+  <p:cSld>
+    <p:spTree>
+      <p:nvGrpSpPr>
+        <p:cNvPr id="1" name=""/>
+        <p:cNvGrpSpPr/>
+        <p:nvPr/>
+      </p:nvGrpSpPr>
+      <p:grpSpPr>
+        <a:xfrm>
+          <a:off x="0" y="0"/>
+          <a:ext cx="0" cy="0"/>
+          <a:chOff x="0" y="0"/>
+          <a:chExt cx="0" cy="0"/>
+        </a:xfrm>
+      </p:grpSpPr>
+      <p:sp>
+        <p:nvSpPr>
+          <p:cNvPr id="2" name="כותרת 1">
+            <a:extLst>
+              <a:ext uri="{FF2B5EF4-FFF2-40B4-BE49-F238E27FC236}">
+                <a16:creationId xmlns:a16="http://schemas.microsoft.com/office/drawing/2014/main" id="{5B1C9383-5FA4-430A-9B95-D157DAC11C19}"/>
+              </a:ext>
+            </a:extLst>
+          </p:cNvPr>
+          <p:cNvSpPr>
+            <a:spLocks noGrp="1"/>
+          </p:cNvSpPr>
+          <p:nvPr>
+            <p:ph type="title"/>
+          </p:nvPr>
+        </p:nvSpPr>
+        <p:spPr/>
+        <p:txBody>
+          <a:bodyPr/>
+          <a:lstStyle/>
+          <a:p>
+            <a:r>
+              <a:rPr lang="en-US" dirty="0"/>
+              <a:t>Picker</a:t>
+            </a:r>
+            <a:endParaRPr lang="he-IL" dirty="0"/>
+          </a:p>
+        </p:txBody>
+      </p:sp>
+      <p:pic>
+        <p:nvPicPr>
+          <p:cNvPr id="4" name="Picture 3">
+            <a:extLst>
+              <a:ext uri="{FF2B5EF4-FFF2-40B4-BE49-F238E27FC236}">
+                <a16:creationId xmlns:a16="http://schemas.microsoft.com/office/drawing/2014/main" id="{9B5D9B35-7C00-7162-B69F-CB21362BA3BC}"/>
+              </a:ext>
+            </a:extLst>
+          </p:cNvPr>
+          <p:cNvPicPr>
+            <a:picLocks noChangeAspect="1"/>
+          </p:cNvPicPr>
+          <p:nvPr/>
+        </p:nvPicPr>
+        <p:blipFill>
+          <a:blip r:embed="rId2"/>
+          <a:stretch>
+            <a:fillRect/>
+          </a:stretch>
+        </p:blipFill>
+        <p:spPr>
+          <a:xfrm>
+            <a:off x="2791343" y="0"/>
+            <a:ext cx="3056620" cy="6858000"/>
+          </a:xfrm>
+          <a:prstGeom prst="rect">
+            <a:avLst/>
+          </a:prstGeom>
+        </p:spPr>
+      </p:pic>
+      <p:sp>
+        <p:nvSpPr>
+          <p:cNvPr id="5" name="Arrow: Right 4">
+            <a:extLst>
+              <a:ext uri="{FF2B5EF4-FFF2-40B4-BE49-F238E27FC236}">
+                <a16:creationId xmlns:a16="http://schemas.microsoft.com/office/drawing/2014/main" id="{DF73BF87-DB43-59FB-ABE9-731840C8932F}"/>
+              </a:ext>
+            </a:extLst>
+          </p:cNvPr>
+          <p:cNvSpPr/>
+          <p:nvPr/>
+        </p:nvSpPr>
+        <p:spPr bwMode="auto">
+          <a:xfrm>
+            <a:off x="5864772" y="2755812"/>
+            <a:ext cx="964850" cy="750439"/>
+          </a:xfrm>
+          <a:prstGeom prst="rightArrow">
+            <a:avLst/>
+          </a:prstGeom>
+          <a:solidFill>
+            <a:schemeClr val="accent1"/>
+          </a:solidFill>
+          <a:ln>
+            <a:noFill/>
+            <a:headEnd type="none" w="med" len="med"/>
+            <a:tailEnd type="none" w="med" len="med"/>
+          </a:ln>
+          <a:effectLst/>
+        </p:spPr>
+        <p:style>
+          <a:lnRef idx="1">
+            <a:schemeClr val="accent2"/>
+          </a:lnRef>
+          <a:fillRef idx="3">
+            <a:schemeClr val="accent2"/>
+          </a:fillRef>
+          <a:effectRef idx="2">
+            <a:schemeClr val="accent2"/>
+          </a:effectRef>
+          <a:fontRef idx="minor">
+            <a:schemeClr val="lt1"/>
+          </a:fontRef>
+        </p:style>
+        <p:txBody>
+          <a:bodyPr rot="0" spcFirstLastPara="0" vertOverflow="overflow" horzOverflow="overflow" vert="horz" wrap="square" lIns="182880" tIns="146304" rIns="182880" bIns="146304" numCol="1" spcCol="0" rtlCol="0" fromWordArt="0" anchor="t" anchorCtr="0" forceAA="0" compatLnSpc="1">
+            <a:prstTxWarp prst="textNoShape">
+              <a:avLst/>
+            </a:prstTxWarp>
+            <a:noAutofit/>
+          </a:bodyPr>
+          <a:lstStyle/>
+          <a:p>
+            <a:pPr algn="ctr" defTabSz="932472" fontAlgn="base">
+              <a:lnSpc>
+                <a:spcPct val="90000"/>
+              </a:lnSpc>
+              <a:spcBef>
+                <a:spcPct val="0"/>
+              </a:spcBef>
+              <a:spcAft>
+                <a:spcPct val="0"/>
+              </a:spcAft>
+            </a:pPr>
+            <a:endParaRPr lang="en-IL" sz="2400" dirty="0" err="1">
+              <a:gradFill>
+                <a:gsLst>
+                  <a:gs pos="0">
+                    <a:srgbClr val="FFFFFF"/>
+                  </a:gs>
+                  <a:gs pos="100000">
+                    <a:srgbClr val="FFFFFF"/>
+                  </a:gs>
+                </a:gsLst>
+                <a:lin ang="5400000" scaled="0"/>
+              </a:gradFill>
+              <a:ea typeface="Segoe UI" pitchFamily="34" charset="0"/>
+              <a:cs typeface="Segoe UI" pitchFamily="34" charset="0"/>
+            </a:endParaRPr>
+          </a:p>
+        </p:txBody>
+      </p:sp>
+      <p:pic>
+        <p:nvPicPr>
+          <p:cNvPr id="10" name="Picture 9">
+            <a:extLst>
+              <a:ext uri="{FF2B5EF4-FFF2-40B4-BE49-F238E27FC236}">
+                <a16:creationId xmlns:a16="http://schemas.microsoft.com/office/drawing/2014/main" id="{5D79100B-C17C-3505-337E-B65D631CD49A}"/>
+              </a:ext>
+            </a:extLst>
+          </p:cNvPr>
+          <p:cNvPicPr>
+            <a:picLocks noChangeAspect="1"/>
+          </p:cNvPicPr>
+          <p:nvPr/>
+        </p:nvPicPr>
+        <p:blipFill>
+          <a:blip r:embed="rId3"/>
+          <a:stretch>
+            <a:fillRect/>
+          </a:stretch>
+        </p:blipFill>
+        <p:spPr>
+          <a:xfrm>
+            <a:off x="6845632" y="0"/>
+            <a:ext cx="3066417" cy="6858000"/>
+          </a:xfrm>
+          <a:prstGeom prst="rect">
+            <a:avLst/>
+          </a:prstGeom>
+        </p:spPr>
+      </p:pic>
+    </p:spTree>
+    <p:extLst>
+      <p:ext uri="{BB962C8B-B14F-4D97-AF65-F5344CB8AC3E}">
+        <p14:creationId xmlns:p14="http://schemas.microsoft.com/office/powerpoint/2010/main" val="369211962"/>
+      </p:ext>
+    </p:extLst>
+  </p:cSld>
+  <p:clrMapOvr>
+    <a:masterClrMapping/>
+  </p:clrMapOvr>
+</p:sld>
+</file>
+
+<file path=ppt/slides/slide12.xml><?xml version="1.0" encoding="utf-8"?>
+<p:sld xmlns:a="http://schemas.openxmlformats.org/drawingml/2006/main" xmlns:r="http://schemas.openxmlformats.org/officeDocument/2006/relationships" xmlns:p="http://schemas.openxmlformats.org/presentationml/2006/main">
+  <p:cSld>
+    <p:spTree>
+      <p:nvGrpSpPr>
+        <p:cNvPr id="1" name=""/>
+        <p:cNvGrpSpPr/>
+        <p:nvPr/>
+      </p:nvGrpSpPr>
+      <p:grpSpPr>
+        <a:xfrm>
+          <a:off x="0" y="0"/>
+          <a:ext cx="0" cy="0"/>
+          <a:chOff x="0" y="0"/>
+          <a:chExt cx="0" cy="0"/>
+        </a:xfrm>
+      </p:grpSpPr>
+      <p:sp>
+        <p:nvSpPr>
+          <p:cNvPr id="2" name="כותרת 1">
+            <a:extLst>
+              <a:ext uri="{FF2B5EF4-FFF2-40B4-BE49-F238E27FC236}">
+                <a16:creationId xmlns:a16="http://schemas.microsoft.com/office/drawing/2014/main" id="{5B1C9383-5FA4-430A-9B95-D157DAC11C19}"/>
+              </a:ext>
+            </a:extLst>
+          </p:cNvPr>
+          <p:cNvSpPr>
+            <a:spLocks noGrp="1"/>
+          </p:cNvSpPr>
+          <p:nvPr>
+            <p:ph type="title"/>
+          </p:nvPr>
+        </p:nvSpPr>
+        <p:spPr/>
+        <p:txBody>
+          <a:bodyPr/>
+          <a:lstStyle/>
+          <a:p>
+            <a:r>
+              <a:rPr lang="en-US" dirty="0"/>
+              <a:t>Exercise2</a:t>
+            </a:r>
+            <a:endParaRPr lang="he-IL" dirty="0"/>
+          </a:p>
+        </p:txBody>
+      </p:sp>
+      <p:sp>
+        <p:nvSpPr>
+          <p:cNvPr id="3" name="תיבת טקסט 2">
+            <a:extLst>
+              <a:ext uri="{FF2B5EF4-FFF2-40B4-BE49-F238E27FC236}">
+                <a16:creationId xmlns:a16="http://schemas.microsoft.com/office/drawing/2014/main" id="{4130DC18-A448-4300-ABCE-76B4AF7E6B81}"/>
+              </a:ext>
+            </a:extLst>
+          </p:cNvPr>
+          <p:cNvSpPr txBox="1"/>
+          <p:nvPr/>
+        </p:nvSpPr>
+        <p:spPr>
+          <a:xfrm>
+            <a:off x="522514" y="1371600"/>
+            <a:ext cx="11094098" cy="1834348"/>
+          </a:xfrm>
+          <a:prstGeom prst="rect">
+            <a:avLst/>
+          </a:prstGeom>
+          <a:noFill/>
+        </p:spPr>
+        <p:txBody>
+          <a:bodyPr wrap="square" lIns="182880" tIns="146304" rIns="182880" bIns="146304" rtlCol="1">
+            <a:spAutoFit/>
+          </a:bodyPr>
+          <a:lstStyle/>
+          <a:p>
+            <a:pPr marL="342900" indent="-342900">
+              <a:lnSpc>
+                <a:spcPct val="90000"/>
+              </a:lnSpc>
+              <a:spcAft>
+                <a:spcPts val="600"/>
+              </a:spcAft>
+              <a:buFont typeface="Arial" panose="020B0604020202020204" pitchFamily="34" charset="0"/>
+              <a:buChar char="•"/>
+            </a:pPr>
+            <a:r>
+              <a:rPr lang="en-US" sz="2000" dirty="0">
+                <a:gradFill>
+                  <a:gsLst>
+                    <a:gs pos="2917">
+                      <a:schemeClr val="tx1"/>
+                    </a:gs>
+                    <a:gs pos="30000">
+                      <a:schemeClr val="tx1"/>
+                    </a:gs>
+                  </a:gsLst>
+                  <a:lin ang="5400000" scaled="0"/>
+                </a:gradFill>
+              </a:rPr>
+              <a:t>Add to the top of the previous exercise page – a Picker that will show all monkeys locations (one for each location!)</a:t>
+            </a:r>
+          </a:p>
+          <a:p>
+            <a:pPr marL="342900" indent="-342900">
+              <a:lnSpc>
+                <a:spcPct val="90000"/>
+              </a:lnSpc>
+              <a:spcAft>
+                <a:spcPts val="600"/>
+              </a:spcAft>
+              <a:buFont typeface="Arial" panose="020B0604020202020204" pitchFamily="34" charset="0"/>
+              <a:buChar char="•"/>
+            </a:pPr>
+            <a:r>
+              <a:rPr lang="en-US" sz="2000" dirty="0">
+                <a:gradFill>
+                  <a:gsLst>
+                    <a:gs pos="2917">
+                      <a:schemeClr val="tx1"/>
+                    </a:gs>
+                    <a:gs pos="30000">
+                      <a:schemeClr val="tx1"/>
+                    </a:gs>
+                  </a:gsLst>
+                  <a:lin ang="5400000" scaled="0"/>
+                </a:gradFill>
+              </a:rPr>
+              <a:t>Upon Selecting a specific location – the page will show only monkeys from the selected location!</a:t>
+            </a:r>
+          </a:p>
+          <a:p>
+            <a:pPr marL="342900" indent="-342900">
+              <a:lnSpc>
+                <a:spcPct val="90000"/>
+              </a:lnSpc>
+              <a:spcAft>
+                <a:spcPts val="600"/>
+              </a:spcAft>
+              <a:buFont typeface="Arial" panose="020B0604020202020204" pitchFamily="34" charset="0"/>
+              <a:buChar char="•"/>
+            </a:pPr>
+            <a:endParaRPr lang="en-US" sz="2000" dirty="0">
+              <a:gradFill>
+                <a:gsLst>
+                  <a:gs pos="2917">
+                    <a:schemeClr val="tx1"/>
+                  </a:gs>
+                  <a:gs pos="30000">
+                    <a:schemeClr val="tx1"/>
+                  </a:gs>
+                </a:gsLst>
+                <a:lin ang="5400000" scaled="0"/>
+              </a:gradFill>
+            </a:endParaRPr>
+          </a:p>
+        </p:txBody>
+      </p:sp>
+      <p:sp>
+        <p:nvSpPr>
+          <p:cNvPr id="8" name="תיבת טקסט 7">
+            <a:extLst>
+              <a:ext uri="{FF2B5EF4-FFF2-40B4-BE49-F238E27FC236}">
+                <a16:creationId xmlns:a16="http://schemas.microsoft.com/office/drawing/2014/main" id="{499BB2C7-BF22-4605-BFD5-0E26841CA0C4}"/>
+              </a:ext>
+            </a:extLst>
+          </p:cNvPr>
+          <p:cNvSpPr txBox="1"/>
+          <p:nvPr/>
+        </p:nvSpPr>
+        <p:spPr>
+          <a:xfrm>
+            <a:off x="656985" y="3845859"/>
+            <a:ext cx="11094098" cy="572464"/>
+          </a:xfrm>
+          <a:prstGeom prst="rect">
+            <a:avLst/>
+          </a:prstGeom>
+          <a:noFill/>
+        </p:spPr>
+        <p:txBody>
+          <a:bodyPr wrap="square" lIns="182880" tIns="146304" rIns="182880" bIns="146304" rtlCol="1">
+            <a:spAutoFit/>
+          </a:bodyPr>
+          <a:lstStyle/>
+          <a:p>
+            <a:pPr>
+              <a:lnSpc>
+                <a:spcPct val="90000"/>
+              </a:lnSpc>
+              <a:spcAft>
+                <a:spcPts val="600"/>
+              </a:spcAft>
+            </a:pPr>
+            <a:endParaRPr lang="en-US" sz="2000" dirty="0">
+              <a:gradFill>
+                <a:gsLst>
+                  <a:gs pos="2917">
+                    <a:schemeClr val="tx1"/>
+                  </a:gs>
+                  <a:gs pos="30000">
+                    <a:schemeClr val="tx1"/>
+                  </a:gs>
+                </a:gsLst>
+                <a:lin ang="5400000" scaled="0"/>
+              </a:gradFill>
+            </a:endParaRPr>
+          </a:p>
+        </p:txBody>
+      </p:sp>
+    </p:spTree>
+    <p:extLst>
+      <p:ext uri="{BB962C8B-B14F-4D97-AF65-F5344CB8AC3E}">
+        <p14:creationId xmlns:p14="http://schemas.microsoft.com/office/powerpoint/2010/main" val="1282014437"/>
+      </p:ext>
+    </p:extLst>
+  </p:cSld>
+  <p:clrMapOvr>
+    <a:masterClrMapping/>
+  </p:clrMapOvr>
+</p:sld>
+</file>
+
 <file path=ppt/slides/slide2.xml><?xml version="1.0" encoding="utf-8"?>
 <p:sld xmlns:a="http://schemas.openxmlformats.org/drawingml/2006/main" xmlns:r="http://schemas.openxmlformats.org/officeDocument/2006/relationships" xmlns:p="http://schemas.openxmlformats.org/presentationml/2006/main">
   <p:cSld>
@@ -8241,6 +9014,252 @@
     <p:extLst>
       <p:ext uri="{BB962C8B-B14F-4D97-AF65-F5344CB8AC3E}">
         <p14:creationId xmlns:p14="http://schemas.microsoft.com/office/powerpoint/2010/main" val="2911347949"/>
+      </p:ext>
+    </p:extLst>
+  </p:cSld>
+  <p:clrMapOvr>
+    <a:masterClrMapping/>
+  </p:clrMapOvr>
+</p:sld>
+</file>
+
+<file path=ppt/slides/slide9.xml><?xml version="1.0" encoding="utf-8"?>
+<p:sld xmlns:a="http://schemas.openxmlformats.org/drawingml/2006/main" xmlns:r="http://schemas.openxmlformats.org/officeDocument/2006/relationships" xmlns:p="http://schemas.openxmlformats.org/presentationml/2006/main">
+  <p:cSld>
+    <p:spTree>
+      <p:nvGrpSpPr>
+        <p:cNvPr id="1" name=""/>
+        <p:cNvGrpSpPr/>
+        <p:nvPr/>
+      </p:nvGrpSpPr>
+      <p:grpSpPr>
+        <a:xfrm>
+          <a:off x="0" y="0"/>
+          <a:ext cx="0" cy="0"/>
+          <a:chOff x="0" y="0"/>
+          <a:chExt cx="0" cy="0"/>
+        </a:xfrm>
+      </p:grpSpPr>
+      <p:sp>
+        <p:nvSpPr>
+          <p:cNvPr id="2" name="כותרת 1">
+            <a:extLst>
+              <a:ext uri="{FF2B5EF4-FFF2-40B4-BE49-F238E27FC236}">
+                <a16:creationId xmlns:a16="http://schemas.microsoft.com/office/drawing/2014/main" id="{5B1C9383-5FA4-430A-9B95-D157DAC11C19}"/>
+              </a:ext>
+            </a:extLst>
+          </p:cNvPr>
+          <p:cNvSpPr>
+            <a:spLocks noGrp="1"/>
+          </p:cNvSpPr>
+          <p:nvPr>
+            <p:ph type="title"/>
+          </p:nvPr>
+        </p:nvSpPr>
+        <p:spPr/>
+        <p:txBody>
+          <a:bodyPr/>
+          <a:lstStyle/>
+          <a:p>
+            <a:r>
+              <a:rPr lang="en-US" dirty="0"/>
+              <a:t>Picker</a:t>
+            </a:r>
+            <a:endParaRPr lang="he-IL" dirty="0"/>
+          </a:p>
+        </p:txBody>
+      </p:sp>
+      <p:sp>
+        <p:nvSpPr>
+          <p:cNvPr id="3" name="תיבת טקסט 2">
+            <a:extLst>
+              <a:ext uri="{FF2B5EF4-FFF2-40B4-BE49-F238E27FC236}">
+                <a16:creationId xmlns:a16="http://schemas.microsoft.com/office/drawing/2014/main" id="{4130DC18-A448-4300-ABCE-76B4AF7E6B81}"/>
+              </a:ext>
+            </a:extLst>
+          </p:cNvPr>
+          <p:cNvSpPr txBox="1"/>
+          <p:nvPr/>
+        </p:nvSpPr>
+        <p:spPr>
+          <a:xfrm>
+            <a:off x="522514" y="1371600"/>
+            <a:ext cx="7357462" cy="3219343"/>
+          </a:xfrm>
+          <a:prstGeom prst="rect">
+            <a:avLst/>
+          </a:prstGeom>
+          <a:noFill/>
+        </p:spPr>
+        <p:txBody>
+          <a:bodyPr wrap="square" lIns="182880" tIns="146304" rIns="182880" bIns="146304" rtlCol="1">
+            <a:spAutoFit/>
+          </a:bodyPr>
+          <a:lstStyle/>
+          <a:p>
+            <a:pPr marL="342900" indent="-342900">
+              <a:lnSpc>
+                <a:spcPct val="90000"/>
+              </a:lnSpc>
+              <a:spcAft>
+                <a:spcPts val="600"/>
+              </a:spcAft>
+              <a:buFont typeface="Arial" panose="020B0604020202020204" pitchFamily="34" charset="0"/>
+              <a:buChar char="•"/>
+            </a:pPr>
+            <a:r>
+              <a:rPr lang="en-US" sz="3200" dirty="0">
+                <a:gradFill>
+                  <a:gsLst>
+                    <a:gs pos="2917">
+                      <a:schemeClr val="tx1"/>
+                    </a:gs>
+                    <a:gs pos="30000">
+                      <a:schemeClr val="tx1"/>
+                    </a:gs>
+                  </a:gsLst>
+                  <a:lin ang="5400000" scaled="0"/>
+                </a:gradFill>
+              </a:rPr>
+              <a:t>Picker is a drop down control that allow the user to pick a value out of a list of values. Each presented value is attached to a specific object in the list!</a:t>
+            </a:r>
+          </a:p>
+          <a:p>
+            <a:pPr>
+              <a:lnSpc>
+                <a:spcPct val="90000"/>
+              </a:lnSpc>
+              <a:spcAft>
+                <a:spcPts val="600"/>
+              </a:spcAft>
+            </a:pPr>
+            <a:endParaRPr lang="en-US" sz="2000" dirty="0">
+              <a:gradFill>
+                <a:gsLst>
+                  <a:gs pos="2917">
+                    <a:schemeClr val="tx1"/>
+                  </a:gs>
+                  <a:gs pos="30000">
+                    <a:schemeClr val="tx1"/>
+                  </a:gs>
+                </a:gsLst>
+                <a:lin ang="5400000" scaled="0"/>
+              </a:gradFill>
+            </a:endParaRPr>
+          </a:p>
+          <a:p>
+            <a:pPr marL="342900" indent="-342900">
+              <a:lnSpc>
+                <a:spcPct val="90000"/>
+              </a:lnSpc>
+              <a:spcAft>
+                <a:spcPts val="600"/>
+              </a:spcAft>
+              <a:buFont typeface="Arial" panose="020B0604020202020204" pitchFamily="34" charset="0"/>
+              <a:buChar char="•"/>
+            </a:pPr>
+            <a:endParaRPr lang="en-US" sz="2000" dirty="0">
+              <a:gradFill>
+                <a:gsLst>
+                  <a:gs pos="2917">
+                    <a:schemeClr val="tx1"/>
+                  </a:gs>
+                  <a:gs pos="30000">
+                    <a:schemeClr val="tx1"/>
+                  </a:gs>
+                </a:gsLst>
+                <a:lin ang="5400000" scaled="0"/>
+              </a:gradFill>
+            </a:endParaRPr>
+          </a:p>
+        </p:txBody>
+      </p:sp>
+      <p:sp>
+        <p:nvSpPr>
+          <p:cNvPr id="8" name="תיבת טקסט 7">
+            <a:extLst>
+              <a:ext uri="{FF2B5EF4-FFF2-40B4-BE49-F238E27FC236}">
+                <a16:creationId xmlns:a16="http://schemas.microsoft.com/office/drawing/2014/main" id="{499BB2C7-BF22-4605-BFD5-0E26841CA0C4}"/>
+              </a:ext>
+            </a:extLst>
+          </p:cNvPr>
+          <p:cNvSpPr txBox="1"/>
+          <p:nvPr/>
+        </p:nvSpPr>
+        <p:spPr>
+          <a:xfrm>
+            <a:off x="656985" y="3845859"/>
+            <a:ext cx="11094098" cy="572464"/>
+          </a:xfrm>
+          <a:prstGeom prst="rect">
+            <a:avLst/>
+          </a:prstGeom>
+          <a:noFill/>
+        </p:spPr>
+        <p:txBody>
+          <a:bodyPr wrap="square" lIns="182880" tIns="146304" rIns="182880" bIns="146304" rtlCol="1">
+            <a:spAutoFit/>
+          </a:bodyPr>
+          <a:lstStyle/>
+          <a:p>
+            <a:pPr>
+              <a:lnSpc>
+                <a:spcPct val="90000"/>
+              </a:lnSpc>
+              <a:spcAft>
+                <a:spcPts val="600"/>
+              </a:spcAft>
+            </a:pPr>
+            <a:endParaRPr lang="en-US" sz="2000" dirty="0">
+              <a:gradFill>
+                <a:gsLst>
+                  <a:gs pos="2917">
+                    <a:schemeClr val="tx1"/>
+                  </a:gs>
+                  <a:gs pos="30000">
+                    <a:schemeClr val="tx1"/>
+                  </a:gs>
+                </a:gsLst>
+                <a:lin ang="5400000" scaled="0"/>
+              </a:gradFill>
+            </a:endParaRPr>
+          </a:p>
+        </p:txBody>
+      </p:sp>
+      <p:pic>
+        <p:nvPicPr>
+          <p:cNvPr id="6" name="Picture 5">
+            <a:extLst>
+              <a:ext uri="{FF2B5EF4-FFF2-40B4-BE49-F238E27FC236}">
+                <a16:creationId xmlns:a16="http://schemas.microsoft.com/office/drawing/2014/main" id="{FC462BAD-B59E-CE83-1DE9-E97877B64604}"/>
+              </a:ext>
+            </a:extLst>
+          </p:cNvPr>
+          <p:cNvPicPr>
+            <a:picLocks noChangeAspect="1"/>
+          </p:cNvPicPr>
+          <p:nvPr/>
+        </p:nvPicPr>
+        <p:blipFill>
+          <a:blip r:embed="rId2"/>
+          <a:stretch>
+            <a:fillRect/>
+          </a:stretch>
+        </p:blipFill>
+        <p:spPr>
+          <a:xfrm>
+            <a:off x="8969851" y="0"/>
+            <a:ext cx="3052615" cy="6858000"/>
+          </a:xfrm>
+          <a:prstGeom prst="rect">
+            <a:avLst/>
+          </a:prstGeom>
+        </p:spPr>
+      </p:pic>
+    </p:spTree>
+    <p:extLst>
+      <p:ext uri="{BB962C8B-B14F-4D97-AF65-F5344CB8AC3E}">
+        <p14:creationId xmlns:p14="http://schemas.microsoft.com/office/powerpoint/2010/main" val="3891202582"/>
       </p:ext>
     </p:extLst>
   </p:cSld>
@@ -8848,12 +9867,21 @@
 </file>
 
 <file path=customXml/item1.xml><?xml version="1.0" encoding="utf-8"?>
-<?mso-contentType ?>
-<FormTemplates xmlns="http://schemas.microsoft.com/sharepoint/v3/contenttype/forms">
-  <Display>DocumentLibraryForm</Display>
-  <Edit>DocumentLibraryForm</Edit>
-  <New>DocumentLibraryForm</New>
-</FormTemplates>
+<p:properties xmlns:p="http://schemas.microsoft.com/office/2006/metadata/properties" xmlns:xsi="http://www.w3.org/2001/XMLSchema-instance" xmlns:pc="http://schemas.microsoft.com/office/infopath/2007/PartnerControls">
+  <documentManagement>
+    <_ip_UnifiedCompliancePolicyProperties xmlns="http://schemas.microsoft.com/sharepoint/v3" xsi:nil="true"/>
+    <_ip_UnifiedCompliancePolicyUIAction xmlns="http://schemas.microsoft.com/sharepoint/v3" xsi:nil="true"/>
+    <LastSharedByUser xmlns="11245976-3b4d-4794-a754-317688483df2">jogallow@microsoft.com</LastSharedByUser>
+    <SharedWithUsers xmlns="11245976-3b4d-4794-a754-317688483df2">
+      <UserInfo>
+        <DisplayName>Martin Woodward</DisplayName>
+        <AccountId>67</AccountId>
+        <AccountType/>
+      </UserInfo>
+    </SharedWithUsers>
+    <LastSharedByTime xmlns="11245976-3b4d-4794-a754-317688483df2">2018-03-16T04:12:59+00:00</LastSharedByTime>
+  </documentManagement>
+</p:properties>
 </file>
 
 <file path=customXml/item2.xml><?xml version="1.0" encoding="utf-8"?>
@@ -9097,27 +10125,21 @@
 </file>
 
 <file path=customXml/item3.xml><?xml version="1.0" encoding="utf-8"?>
-<p:properties xmlns:p="http://schemas.microsoft.com/office/2006/metadata/properties" xmlns:xsi="http://www.w3.org/2001/XMLSchema-instance" xmlns:pc="http://schemas.microsoft.com/office/infopath/2007/PartnerControls">
-  <documentManagement>
-    <_ip_UnifiedCompliancePolicyProperties xmlns="http://schemas.microsoft.com/sharepoint/v3" xsi:nil="true"/>
-    <_ip_UnifiedCompliancePolicyUIAction xmlns="http://schemas.microsoft.com/sharepoint/v3" xsi:nil="true"/>
-    <LastSharedByUser xmlns="11245976-3b4d-4794-a754-317688483df2">jogallow@microsoft.com</LastSharedByUser>
-    <SharedWithUsers xmlns="11245976-3b4d-4794-a754-317688483df2">
-      <UserInfo>
-        <DisplayName>Martin Woodward</DisplayName>
-        <AccountId>67</AccountId>
-        <AccountType/>
-      </UserInfo>
-    </SharedWithUsers>
-    <LastSharedByTime xmlns="11245976-3b4d-4794-a754-317688483df2">2018-03-16T04:12:59+00:00</LastSharedByTime>
-  </documentManagement>
-</p:properties>
+<?mso-contentType ?>
+<FormTemplates xmlns="http://schemas.microsoft.com/sharepoint/v3/contenttype/forms">
+  <Display>DocumentLibraryForm</Display>
+  <Edit>DocumentLibraryForm</Edit>
+  <New>DocumentLibraryForm</New>
+</FormTemplates>
 </file>
 
 <file path=customXml/itemProps1.xml><?xml version="1.0" encoding="utf-8"?>
-<ds:datastoreItem xmlns:ds="http://schemas.openxmlformats.org/officeDocument/2006/customXml" ds:itemID="{093821A7-5528-48BE-BD00-067FBFDD28D5}">
+<ds:datastoreItem xmlns:ds="http://schemas.openxmlformats.org/officeDocument/2006/customXml" ds:itemID="{D23E43D6-DB2F-4C33-A8C8-D28F777A5DE7}">
   <ds:schemaRefs>
-    <ds:schemaRef ds:uri="http://schemas.microsoft.com/sharepoint/v3/contenttype/forms"/>
+    <ds:schemaRef ds:uri="http://schemas.microsoft.com/office/2006/metadata/properties"/>
+    <ds:schemaRef ds:uri="http://schemas.microsoft.com/office/infopath/2007/PartnerControls"/>
+    <ds:schemaRef ds:uri="http://schemas.microsoft.com/sharepoint/v3"/>
+    <ds:schemaRef ds:uri="11245976-3b4d-4794-a754-317688483df2"/>
   </ds:schemaRefs>
 </ds:datastoreItem>
 </file>
@@ -9143,12 +10165,9 @@
 </file>
 
 <file path=customXml/itemProps3.xml><?xml version="1.0" encoding="utf-8"?>
-<ds:datastoreItem xmlns:ds="http://schemas.openxmlformats.org/officeDocument/2006/customXml" ds:itemID="{D23E43D6-DB2F-4C33-A8C8-D28F777A5DE7}">
+<ds:datastoreItem xmlns:ds="http://schemas.openxmlformats.org/officeDocument/2006/customXml" ds:itemID="{093821A7-5528-48BE-BD00-067FBFDD28D5}">
   <ds:schemaRefs>
-    <ds:schemaRef ds:uri="http://schemas.microsoft.com/office/2006/metadata/properties"/>
-    <ds:schemaRef ds:uri="http://schemas.microsoft.com/office/infopath/2007/PartnerControls"/>
-    <ds:schemaRef ds:uri="http://schemas.microsoft.com/sharepoint/v3"/>
-    <ds:schemaRef ds:uri="11245976-3b4d-4794-a754-317688483df2"/>
+    <ds:schemaRef ds:uri="http://schemas.microsoft.com/sharepoint/v3/contenttype/forms"/>
   </ds:schemaRefs>
 </ds:datastoreItem>
 </file>